--- a/PowerBIWorkshop.pptx
+++ b/PowerBIWorkshop.pptx
@@ -5,7 +5,7 @@
     <p:sldMasterId id="2147483648" r:id="rId4"/>
   </p:sldMasterIdLst>
   <p:notesMasterIdLst>
-    <p:notesMasterId r:id="rId10"/>
+    <p:notesMasterId r:id="rId11"/>
   </p:notesMasterIdLst>
   <p:sldIdLst>
     <p:sldId id="256" r:id="rId5"/>
@@ -13,6 +13,7 @@
     <p:sldId id="261" r:id="rId7"/>
     <p:sldId id="264" r:id="rId8"/>
     <p:sldId id="279" r:id="rId9"/>
+    <p:sldId id="280" r:id="rId10"/>
   </p:sldIdLst>
   <p:sldSz cx="12192000" cy="6858000"/>
   <p:notesSz cx="6858000" cy="9144000"/>
@@ -201,7 +202,7 @@
           <a:p>
             <a:fld id="{C452ADB1-275D-430A-89EE-5C7E6CFF6FF2}" type="datetimeFigureOut">
               <a:rPr lang="en-US" smtClean="0"/>
-              <a:t>7/6/2022</a:t>
+              <a:t>7/9/2022</a:t>
             </a:fld>
             <a:endParaRPr lang="en-US" dirty="0"/>
           </a:p>
@@ -912,6 +913,123 @@
 </p:notes>
 </file>
 
+<file path=ppt/notesSlides/notesSlide5.xml><?xml version="1.0" encoding="utf-8"?>
+<p:notes xmlns:a="http://schemas.openxmlformats.org/drawingml/2006/main" xmlns:r="http://schemas.openxmlformats.org/officeDocument/2006/relationships" xmlns:p="http://schemas.openxmlformats.org/presentationml/2006/main" showMasterSp="0" showMasterPhAnim="0">
+  <p:cSld>
+    <p:spTree>
+      <p:nvGrpSpPr>
+        <p:cNvPr id="1" name="Shape 3901"/>
+        <p:cNvGrpSpPr/>
+        <p:nvPr/>
+      </p:nvGrpSpPr>
+      <p:grpSpPr>
+        <a:xfrm>
+          <a:off x="0" y="0"/>
+          <a:ext cx="0" cy="0"/>
+          <a:chOff x="0" y="0"/>
+          <a:chExt cx="0" cy="0"/>
+        </a:xfrm>
+      </p:grpSpPr>
+      <p:sp>
+        <p:nvSpPr>
+          <p:cNvPr id="3902" name="Google Shape;3902;g35f391192_045:notes"/>
+          <p:cNvSpPr>
+            <a:spLocks noGrp="1" noRot="1" noChangeAspect="1"/>
+          </p:cNvSpPr>
+          <p:nvPr>
+            <p:ph type="sldImg" idx="2"/>
+          </p:nvPr>
+        </p:nvSpPr>
+        <p:spPr>
+          <a:xfrm>
+            <a:off x="381000" y="685800"/>
+            <a:ext cx="6096000" cy="3429000"/>
+          </a:xfrm>
+          <a:custGeom>
+            <a:avLst/>
+            <a:gdLst/>
+            <a:ahLst/>
+            <a:cxnLst/>
+            <a:rect l="l" t="t" r="r" b="b"/>
+            <a:pathLst>
+              <a:path w="120000" h="120000" extrusionOk="0">
+                <a:moveTo>
+                  <a:pt x="0" y="0"/>
+                </a:moveTo>
+                <a:lnTo>
+                  <a:pt x="120000" y="0"/>
+                </a:lnTo>
+                <a:lnTo>
+                  <a:pt x="120000" y="120000"/>
+                </a:lnTo>
+                <a:lnTo>
+                  <a:pt x="0" y="120000"/>
+                </a:lnTo>
+                <a:close/>
+              </a:path>
+            </a:pathLst>
+          </a:custGeom>
+        </p:spPr>
+      </p:sp>
+      <p:sp>
+        <p:nvSpPr>
+          <p:cNvPr id="3903" name="Google Shape;3903;g35f391192_045:notes"/>
+          <p:cNvSpPr txBox="1">
+            <a:spLocks noGrp="1"/>
+          </p:cNvSpPr>
+          <p:nvPr>
+            <p:ph type="body" idx="1"/>
+          </p:nvPr>
+        </p:nvSpPr>
+        <p:spPr>
+          <a:xfrm>
+            <a:off x="685800" y="4343400"/>
+            <a:ext cx="5486400" cy="4114800"/>
+          </a:xfrm>
+          <a:prstGeom prst="rect">
+            <a:avLst/>
+          </a:prstGeom>
+        </p:spPr>
+        <p:txBody>
+          <a:bodyPr spcFirstLastPara="1" wrap="square" lIns="91425" tIns="91425" rIns="91425" bIns="91425" anchor="t" anchorCtr="0">
+            <a:noAutofit/>
+          </a:bodyPr>
+          <a:lstStyle/>
+          <a:p>
+            <a:pPr marL="0" lvl="0" indent="0" algn="l" rtl="0">
+              <a:spcBef>
+                <a:spcPts val="0"/>
+              </a:spcBef>
+              <a:spcAft>
+                <a:spcPts val="0"/>
+              </a:spcAft>
+              <a:buNone/>
+            </a:pPr>
+            <a:r>
+              <a:rPr lang="en-US" dirty="0"/>
+              <a:t>This is the </a:t>
+            </a:r>
+            <a:r>
+              <a:rPr lang="en-US"/>
+              <a:t>completed report.</a:t>
+            </a:r>
+            <a:endParaRPr dirty="0"/>
+          </a:p>
+        </p:txBody>
+      </p:sp>
+    </p:spTree>
+    <p:extLst>
+      <p:ext uri="{BB962C8B-B14F-4D97-AF65-F5344CB8AC3E}">
+        <p14:creationId xmlns:p14="http://schemas.microsoft.com/office/powerpoint/2010/main" val="727445826"/>
+      </p:ext>
+    </p:extLst>
+  </p:cSld>
+  <p:clrMapOvr>
+    <a:masterClrMapping/>
+  </p:clrMapOvr>
+</p:notes>
+</file>
+
 <file path=ppt/slideLayouts/slideLayout1.xml><?xml version="1.0" encoding="utf-8"?>
 <p:sldLayout xmlns:a="http://schemas.openxmlformats.org/drawingml/2006/main" xmlns:r="http://schemas.openxmlformats.org/officeDocument/2006/relationships" xmlns:p="http://schemas.openxmlformats.org/presentationml/2006/main" showMasterSp="0" type="title" preserve="1">
   <p:cSld name="Title Slide">
@@ -9705,7 +9823,7 @@
           <a:p>
             <a:fld id="{7005E26E-BCB2-4FD5-8FD5-81A5EAE94C21}" type="datetime1">
               <a:rPr lang="en-US" smtClean="0"/>
-              <a:t>7/6/2022</a:t>
+              <a:t>7/9/2022</a:t>
             </a:fld>
             <a:endParaRPr lang="en-US" dirty="0"/>
           </a:p>
@@ -9907,7 +10025,7 @@
           <a:p>
             <a:fld id="{9CC2E9B8-0487-42E4-B571-744A3D775783}" type="datetime1">
               <a:rPr lang="en-US" smtClean="0"/>
-              <a:t>7/6/2022</a:t>
+              <a:t>7/9/2022</a:t>
             </a:fld>
             <a:endParaRPr lang="en-US" dirty="0"/>
           </a:p>
@@ -10082,7 +10200,7 @@
           <a:p>
             <a:fld id="{9052E32D-1E84-43FD-8158-FFFE757EB0E8}" type="datetime1">
               <a:rPr lang="en-US" smtClean="0"/>
-              <a:t>7/6/2022</a:t>
+              <a:t>7/9/2022</a:t>
             </a:fld>
             <a:endParaRPr lang="en-US" dirty="0"/>
           </a:p>
@@ -44318,7 +44436,7 @@
           <a:p>
             <a:fld id="{8585C470-CD19-455C-B830-6D252EAD7FE5}" type="datetime1">
               <a:rPr lang="en-US" smtClean="0"/>
-              <a:t>7/6/2022</a:t>
+              <a:t>7/9/2022</a:t>
             </a:fld>
             <a:endParaRPr lang="en-US" dirty="0"/>
           </a:p>
@@ -53211,7 +53329,7 @@
           <a:p>
             <a:fld id="{7F85C43C-50D9-4F49-A136-0EFF292F93ED}" type="datetime1">
               <a:rPr lang="en-US" smtClean="0"/>
-              <a:t>7/6/2022</a:t>
+              <a:t>7/9/2022</a:t>
             </a:fld>
             <a:endParaRPr lang="en-US" dirty="0"/>
           </a:p>
@@ -53480,7 +53598,7 @@
           <a:p>
             <a:fld id="{7B53B1A3-0AEF-4064-A724-D27D660C8653}" type="datetime1">
               <a:rPr lang="en-US" smtClean="0"/>
-              <a:t>7/6/2022</a:t>
+              <a:t>7/9/2022</a:t>
             </a:fld>
             <a:endParaRPr lang="en-US" dirty="0"/>
           </a:p>
@@ -53873,7 +53991,7 @@
           <a:p>
             <a:fld id="{37D5D0F2-BF66-4A24-9384-A0129B196518}" type="datetime1">
               <a:rPr lang="en-US" smtClean="0"/>
-              <a:t>7/6/2022</a:t>
+              <a:t>7/9/2022</a:t>
             </a:fld>
             <a:endParaRPr lang="en-US" dirty="0"/>
           </a:p>
@@ -53986,7 +54104,7 @@
           <a:p>
             <a:fld id="{8C318A6C-4F6B-48D2-BDB0-D7413B3FDB0A}" type="datetime1">
               <a:rPr lang="en-US" smtClean="0"/>
-              <a:t>7/6/2022</a:t>
+              <a:t>7/9/2022</a:t>
             </a:fld>
             <a:endParaRPr lang="en-US" dirty="0"/>
           </a:p>
@@ -54076,7 +54194,7 @@
           <a:p>
             <a:fld id="{BF01ECED-6ECE-4989-B917-9D4D7E6D3C76}" type="datetime1">
               <a:rPr lang="en-US" smtClean="0"/>
-              <a:t>7/6/2022</a:t>
+              <a:t>7/9/2022</a:t>
             </a:fld>
             <a:endParaRPr lang="en-US" dirty="0"/>
           </a:p>
@@ -54361,7 +54479,7 @@
           <a:p>
             <a:fld id="{E3B570E1-CB40-488E-8C6F-EF4211DFFCB0}" type="datetime1">
               <a:rPr lang="en-US" smtClean="0"/>
-              <a:t>7/6/2022</a:t>
+              <a:t>7/9/2022</a:t>
             </a:fld>
             <a:endParaRPr lang="en-US" dirty="0"/>
           </a:p>
@@ -54636,7 +54754,7 @@
           <a:p>
             <a:fld id="{D1CEB6AF-9F5C-43BE-879E-CB9514111250}" type="datetime1">
               <a:rPr lang="en-US" smtClean="0"/>
-              <a:t>7/6/2022</a:t>
+              <a:t>7/9/2022</a:t>
             </a:fld>
             <a:endParaRPr lang="en-US" dirty="0"/>
           </a:p>
@@ -54881,7 +54999,7 @@
           <a:p>
             <a:fld id="{E7EE424C-FCA3-4EDD-B274-8E055D649B7D}" type="datetime1">
               <a:rPr lang="en-US" smtClean="0"/>
-              <a:t>7/6/2022</a:t>
+              <a:t>7/9/2022</a:t>
             </a:fld>
             <a:endParaRPr lang="en-US" dirty="0"/>
           </a:p>
@@ -57646,6 +57764,210 @@
 </p:sld>
 </file>
 
+<file path=ppt/slides/slide6.xml><?xml version="1.0" encoding="utf-8"?>
+<p:sld xmlns:a="http://schemas.openxmlformats.org/drawingml/2006/main" xmlns:r="http://schemas.openxmlformats.org/officeDocument/2006/relationships" xmlns:p="http://schemas.openxmlformats.org/presentationml/2006/main">
+  <p:cSld>
+    <p:spTree>
+      <p:nvGrpSpPr>
+        <p:cNvPr id="1" name="Shape 3904"/>
+        <p:cNvGrpSpPr/>
+        <p:nvPr/>
+      </p:nvGrpSpPr>
+      <p:grpSpPr>
+        <a:xfrm>
+          <a:off x="0" y="0"/>
+          <a:ext cx="0" cy="0"/>
+          <a:chOff x="0" y="0"/>
+          <a:chExt cx="0" cy="0"/>
+        </a:xfrm>
+      </p:grpSpPr>
+      <p:graphicFrame>
+        <p:nvGraphicFramePr>
+          <p:cNvPr id="2" name="Object 1" hidden="1">
+            <a:extLst>
+              <a:ext uri="{FF2B5EF4-FFF2-40B4-BE49-F238E27FC236}">
+                <a16:creationId xmlns:a16="http://schemas.microsoft.com/office/drawing/2014/main" id="{B6961CBE-7ED6-4BD0-ABE0-95EB834C4E33}"/>
+              </a:ext>
+            </a:extLst>
+          </p:cNvPr>
+          <p:cNvGraphicFramePr>
+            <a:graphicFrameLocks noChangeAspect="1"/>
+          </p:cNvGraphicFramePr>
+          <p:nvPr>
+            <p:custDataLst>
+              <p:tags r:id="rId1"/>
+            </p:custDataLst>
+          </p:nvPr>
+        </p:nvGraphicFramePr>
+        <p:xfrm>
+          <a:off x="2118" y="2118"/>
+          <a:ext cx="2117" cy="2117"/>
+        </p:xfrm>
+        <a:graphic>
+          <a:graphicData uri="http://schemas.openxmlformats.org/presentationml/2006/ole">
+            <mc:AlternateContent xmlns:mc="http://schemas.openxmlformats.org/markup-compatibility/2006">
+              <mc:Choice xmlns:v="urn:schemas-microsoft-com:vml" Requires="v">
+                <p:oleObj name="think-cell Slide" r:id="rId4" imgW="395" imgH="394" progId="TCLayout.ActiveDocument.1">
+                  <p:embed/>
+                </p:oleObj>
+              </mc:Choice>
+              <mc:Fallback>
+                <p:oleObj name="think-cell Slide" r:id="rId4" imgW="395" imgH="394" progId="TCLayout.ActiveDocument.1">
+                  <p:embed/>
+                  <p:pic>
+                    <p:nvPicPr>
+                      <p:cNvPr id="2" name="Object 1" hidden="1">
+                        <a:extLst>
+                          <a:ext uri="{FF2B5EF4-FFF2-40B4-BE49-F238E27FC236}">
+                            <a16:creationId xmlns:a16="http://schemas.microsoft.com/office/drawing/2014/main" id="{B6961CBE-7ED6-4BD0-ABE0-95EB834C4E33}"/>
+                          </a:ext>
+                        </a:extLst>
+                      </p:cNvPr>
+                      <p:cNvPicPr/>
+                      <p:nvPr/>
+                    </p:nvPicPr>
+                    <p:blipFill>
+                      <a:blip r:embed="rId5"/>
+                      <a:stretch>
+                        <a:fillRect/>
+                      </a:stretch>
+                    </p:blipFill>
+                    <p:spPr>
+                      <a:xfrm>
+                        <a:off x="2118" y="2118"/>
+                        <a:ext cx="2117" cy="2117"/>
+                      </a:xfrm>
+                      <a:prstGeom prst="rect">
+                        <a:avLst/>
+                      </a:prstGeom>
+                    </p:spPr>
+                  </p:pic>
+                </p:oleObj>
+              </mc:Fallback>
+            </mc:AlternateContent>
+          </a:graphicData>
+        </a:graphic>
+      </p:graphicFrame>
+      <p:sp>
+        <p:nvSpPr>
+          <p:cNvPr id="3909" name="Google Shape;3909;p21"/>
+          <p:cNvSpPr txBox="1">
+            <a:spLocks noGrp="1"/>
+          </p:cNvSpPr>
+          <p:nvPr>
+            <p:ph type="sldNum" idx="12"/>
+          </p:nvPr>
+        </p:nvSpPr>
+        <p:spPr>
+          <a:xfrm>
+            <a:off x="122041" y="6293601"/>
+            <a:ext cx="731600" cy="524800"/>
+          </a:xfrm>
+          <a:prstGeom prst="rect">
+            <a:avLst/>
+          </a:prstGeom>
+        </p:spPr>
+        <p:txBody>
+          <a:bodyPr spcFirstLastPara="1" vert="horz" wrap="square" lIns="121900" tIns="121900" rIns="121900" bIns="121900" rtlCol="0" anchor="ctr" anchorCtr="0">
+            <a:noAutofit/>
+          </a:bodyPr>
+          <a:lstStyle/>
+          <a:p>
+            <a:fld id="{00000000-1234-1234-1234-123412341234}" type="slidenum">
+              <a:rPr lang="en"/>
+              <a:pPr/>
+              <a:t>6</a:t>
+            </a:fld>
+            <a:endParaRPr/>
+          </a:p>
+        </p:txBody>
+      </p:sp>
+      <p:sp>
+        <p:nvSpPr>
+          <p:cNvPr id="9" name="Title 1">
+            <a:extLst>
+              <a:ext uri="{FF2B5EF4-FFF2-40B4-BE49-F238E27FC236}">
+                <a16:creationId xmlns:a16="http://schemas.microsoft.com/office/drawing/2014/main" id="{CA15DF53-EC57-9111-0E72-467DA4849CA5}"/>
+              </a:ext>
+            </a:extLst>
+          </p:cNvPr>
+          <p:cNvSpPr>
+            <a:spLocks noGrp="1"/>
+          </p:cNvSpPr>
+          <p:nvPr>
+            <p:ph type="title"/>
+          </p:nvPr>
+        </p:nvSpPr>
+        <p:spPr>
+          <a:xfrm>
+            <a:off x="1040457" y="555170"/>
+            <a:ext cx="9720072" cy="1219414"/>
+          </a:xfrm>
+        </p:spPr>
+        <p:txBody>
+          <a:bodyPr/>
+          <a:lstStyle/>
+          <a:p>
+            <a:r>
+              <a:rPr lang="en-US" dirty="0"/>
+              <a:t>Report</a:t>
+            </a:r>
+          </a:p>
+        </p:txBody>
+      </p:sp>
+      <p:pic>
+        <p:nvPicPr>
+          <p:cNvPr id="4" name="Picture 3">
+            <a:extLst>
+              <a:ext uri="{FF2B5EF4-FFF2-40B4-BE49-F238E27FC236}">
+                <a16:creationId xmlns:a16="http://schemas.microsoft.com/office/drawing/2014/main" id="{89C82766-E4CD-216F-3ADD-3D484356C4A4}"/>
+              </a:ext>
+            </a:extLst>
+          </p:cNvPr>
+          <p:cNvPicPr>
+            <a:picLocks noChangeAspect="1"/>
+          </p:cNvPicPr>
+          <p:nvPr/>
+        </p:nvPicPr>
+        <p:blipFill>
+          <a:blip r:embed="rId6"/>
+          <a:stretch>
+            <a:fillRect/>
+          </a:stretch>
+        </p:blipFill>
+        <p:spPr>
+          <a:xfrm>
+            <a:off x="1150235" y="2247757"/>
+            <a:ext cx="8885690" cy="3299746"/>
+          </a:xfrm>
+          <a:prstGeom prst="rect">
+            <a:avLst/>
+          </a:prstGeom>
+          <a:ln>
+            <a:noFill/>
+          </a:ln>
+          <a:effectLst>
+            <a:outerShdw blurRad="292100" dist="139700" dir="2700000" algn="tl" rotWithShape="0">
+              <a:srgbClr val="333333">
+                <a:alpha val="65000"/>
+              </a:srgbClr>
+            </a:outerShdw>
+          </a:effectLst>
+        </p:spPr>
+      </p:pic>
+    </p:spTree>
+    <p:extLst>
+      <p:ext uri="{BB962C8B-B14F-4D97-AF65-F5344CB8AC3E}">
+        <p14:creationId xmlns:p14="http://schemas.microsoft.com/office/powerpoint/2010/main" val="226906974"/>
+      </p:ext>
+    </p:extLst>
+  </p:cSld>
+  <p:clrMapOvr>
+    <a:masterClrMapping/>
+  </p:clrMapOvr>
+</p:sld>
+</file>
+
 <file path=ppt/tags/tag1.xml><?xml version="1.0" encoding="utf-8"?>
 <p:tagLst xmlns:a="http://schemas.openxmlformats.org/drawingml/2006/main" xmlns:r="http://schemas.openxmlformats.org/officeDocument/2006/relationships" xmlns:p="http://schemas.openxmlformats.org/presentationml/2006/main">
   <p:tag name="THINKCELLSHAPEDONOTDELETE" val="thinkcellActiveDocDoNotDelete"/>
@@ -57659,6 +57981,12 @@
 </file>
 
 <file path=ppt/tags/tag3.xml><?xml version="1.0" encoding="utf-8"?>
+<p:tagLst xmlns:a="http://schemas.openxmlformats.org/drawingml/2006/main" xmlns:r="http://schemas.openxmlformats.org/officeDocument/2006/relationships" xmlns:p="http://schemas.openxmlformats.org/presentationml/2006/main">
+  <p:tag name="THINKCELLSHAPEDONOTDELETE" val="thinkcellActiveDocDoNotDelete"/>
+</p:tagLst>
+</file>
+
+<file path=ppt/tags/tag4.xml><?xml version="1.0" encoding="utf-8"?>
 <p:tagLst xmlns:a="http://schemas.openxmlformats.org/drawingml/2006/main" xmlns:r="http://schemas.openxmlformats.org/officeDocument/2006/relationships" xmlns:p="http://schemas.openxmlformats.org/presentationml/2006/main">
   <p:tag name="THINKCELLSHAPEDONOTDELETE" val="thinkcellActiveDocDoNotDelete"/>
 </p:tagLst>
@@ -58228,23 +58556,6 @@
 </file>
 
 <file path=customXml/item1.xml><?xml version="1.0" encoding="utf-8"?>
-<p:properties xmlns:p="http://schemas.microsoft.com/office/2006/metadata/properties" xmlns:xsi="http://www.w3.org/2001/XMLSchema-instance" xmlns:pc="http://schemas.microsoft.com/office/infopath/2007/PartnerControls">
-  <documentManagement>
-    <MediaServiceKeyPoints xmlns="71af3243-3dd4-4a8d-8c0d-dd76da1f02a5" xsi:nil="true"/>
-  </documentManagement>
-</p:properties>
-</file>
-
-<file path=customXml/item2.xml><?xml version="1.0" encoding="utf-8"?>
-<?mso-contentType ?>
-<FormTemplates xmlns="http://schemas.microsoft.com/sharepoint/v3/contenttype/forms">
-  <Display>DocumentLibraryForm</Display>
-  <Edit>DocumentLibraryForm</Edit>
-  <New>DocumentLibraryForm</New>
-</FormTemplates>
-</file>
-
-<file path=customXml/item3.xml><?xml version="1.0" encoding="utf-8"?>
 <ct:contentTypeSchema xmlns:ct="http://schemas.microsoft.com/office/2006/metadata/contentType" xmlns:ma="http://schemas.microsoft.com/office/2006/metadata/properties/metaAttributes" ct:_="" ma:_="" ma:contentTypeName="Document" ma:contentTypeID="0x01010079F111ED35F8CC479449609E8A0923A6" ma:contentTypeVersion="11" ma:contentTypeDescription="Create a new document." ma:contentTypeScope="" ma:versionID="9677210f24a1be23c92c90fd886aa0aa">
   <xsd:schema xmlns:xsd="http://www.w3.org/2001/XMLSchema" xmlns:xs="http://www.w3.org/2001/XMLSchema" xmlns:p="http://schemas.microsoft.com/office/2006/metadata/properties" xmlns:ns2="71af3243-3dd4-4a8d-8c0d-dd76da1f02a5" xmlns:ns3="16c05727-aa75-4e4a-9b5f-8a80a1165891" targetNamespace="http://schemas.microsoft.com/office/2006/metadata/properties" ma:root="true" ma:fieldsID="60e05723c5c1908df1a1a4ebf11d344e" ns2:_="" ns3:_="">
     <xsd:import namespace="71af3243-3dd4-4a8d-8c0d-dd76da1f02a5"/>
@@ -58455,25 +58766,24 @@
 </ct:contentTypeSchema>
 </file>
 
-<file path=customXml/itemProps1.xml><?xml version="1.0" encoding="utf-8"?>
-<ds:datastoreItem xmlns:ds="http://schemas.openxmlformats.org/officeDocument/2006/customXml" ds:itemID="{788A2F88-55C5-4ED1-9541-807C65424763}">
-  <ds:schemaRefs>
-    <ds:schemaRef ds:uri="http://schemas.microsoft.com/office/2006/metadata/properties"/>
-    <ds:schemaRef ds:uri="http://schemas.microsoft.com/office/infopath/2007/PartnerControls"/>
-    <ds:schemaRef ds:uri="71af3243-3dd4-4a8d-8c0d-dd76da1f02a5"/>
-  </ds:schemaRefs>
-</ds:datastoreItem>
+<file path=customXml/item2.xml><?xml version="1.0" encoding="utf-8"?>
+<?mso-contentType ?>
+<FormTemplates xmlns="http://schemas.microsoft.com/sharepoint/v3/contenttype/forms">
+  <Display>DocumentLibraryForm</Display>
+  <Edit>DocumentLibraryForm</Edit>
+  <New>DocumentLibraryForm</New>
+</FormTemplates>
 </file>
 
-<file path=customXml/itemProps2.xml><?xml version="1.0" encoding="utf-8"?>
-<ds:datastoreItem xmlns:ds="http://schemas.openxmlformats.org/officeDocument/2006/customXml" ds:itemID="{4F44C90D-2A62-4985-9618-3460247437B1}">
-  <ds:schemaRefs>
-    <ds:schemaRef ds:uri="http://schemas.microsoft.com/sharepoint/v3/contenttype/forms"/>
-  </ds:schemaRefs>
-</ds:datastoreItem>
+<file path=customXml/item3.xml><?xml version="1.0" encoding="utf-8"?>
+<p:properties xmlns:p="http://schemas.microsoft.com/office/2006/metadata/properties" xmlns:xsi="http://www.w3.org/2001/XMLSchema-instance" xmlns:pc="http://schemas.microsoft.com/office/infopath/2007/PartnerControls">
+  <documentManagement>
+    <MediaServiceKeyPoints xmlns="71af3243-3dd4-4a8d-8c0d-dd76da1f02a5" xsi:nil="true"/>
+  </documentManagement>
+</p:properties>
 </file>
 
-<file path=customXml/itemProps3.xml><?xml version="1.0" encoding="utf-8"?>
+<file path=customXml/itemProps1.xml><?xml version="1.0" encoding="utf-8"?>
 <ds:datastoreItem xmlns:ds="http://schemas.openxmlformats.org/officeDocument/2006/customXml" ds:itemID="{B61EAB5F-88FC-4FAE-AE3C-037A3C365EB8}">
   <ds:schemaRefs>
     <ds:schemaRef ds:uri="http://schemas.microsoft.com/office/2006/metadata/contentType"/>
@@ -58490,4 +58800,22 @@
     <ds:schemaRef ds:uri="http://schemas.microsoft.com/internal/obd"/>
   </ds:schemaRefs>
 </ds:datastoreItem>
+</file>
+
+<file path=customXml/itemProps2.xml><?xml version="1.0" encoding="utf-8"?>
+<ds:datastoreItem xmlns:ds="http://schemas.openxmlformats.org/officeDocument/2006/customXml" ds:itemID="{4F44C90D-2A62-4985-9618-3460247437B1}">
+  <ds:schemaRefs>
+    <ds:schemaRef ds:uri="http://schemas.microsoft.com/sharepoint/v3/contenttype/forms"/>
+  </ds:schemaRefs>
+</ds:datastoreItem>
+</file>
+
+<file path=customXml/itemProps3.xml><?xml version="1.0" encoding="utf-8"?>
+<ds:datastoreItem xmlns:ds="http://schemas.openxmlformats.org/officeDocument/2006/customXml" ds:itemID="{788A2F88-55C5-4ED1-9541-807C65424763}">
+  <ds:schemaRefs>
+    <ds:schemaRef ds:uri="http://schemas.microsoft.com/office/2006/metadata/properties"/>
+    <ds:schemaRef ds:uri="http://schemas.microsoft.com/office/infopath/2007/PartnerControls"/>
+    <ds:schemaRef ds:uri="71af3243-3dd4-4a8d-8c0d-dd76da1f02a5"/>
+  </ds:schemaRefs>
+</ds:datastoreItem>
 </file>